--- a/pptx_templates/Blank.pptx
+++ b/pptx_templates/Blank.pptx
@@ -126,6 +126,46 @@
           <a:chExt cx="0" cy="0"/>
         </a:xfrm>
       </p:grpSpPr>
+      <p:pic>
+        <p:nvPicPr>
+          <p:cNvPr id="8" name="Picture Placeholder 38">
+            <a:extLst>
+              <a:ext uri="{FF2B5EF4-FFF2-40B4-BE49-F238E27FC236}">
+                <a16:creationId xmlns:a16="http://schemas.microsoft.com/office/drawing/2014/main" id="{ECCC0A9A-924E-D82A-BFCA-A2D317B47AF1}"/>
+              </a:ext>
+              <a:ext uri="{C183D7F6-B498-43B3-948B-1728B52AA6E4}">
+                <adec:decorative xmlns:adec="http://schemas.microsoft.com/office/drawing/2017/decorative" val="1"/>
+              </a:ext>
+            </a:extLst>
+          </p:cNvPr>
+          <p:cNvPicPr>
+            <a:picLocks noChangeAspect="1"/>
+          </p:cNvPicPr>
+          <p:nvPr userDrawn="1"/>
+        </p:nvPicPr>
+        <p:blipFill rotWithShape="1">
+          <a:blip r:embed="rId2" cstate="print">
+            <a:extLst>
+              <a:ext uri="{28A0092B-C50C-407E-A947-70E740481C1C}">
+                <a14:useLocalDpi xmlns:a14="http://schemas.microsoft.com/office/drawing/2010/main"/>
+              </a:ext>
+            </a:extLst>
+          </a:blip>
+          <a:srcRect t="7802" b="7802"/>
+          <a:stretch>
+            <a:fillRect/>
+          </a:stretch>
+        </p:blipFill>
+        <p:spPr>
+          <a:xfrm>
+            <a:off x="0" y="0"/>
+            <a:ext cx="12188952" cy="6858000"/>
+          </a:xfrm>
+          <a:prstGeom prst="rect">
+            <a:avLst/>
+          </a:prstGeom>
+        </p:spPr>
+      </p:pic>
       <p:sp>
         <p:nvSpPr>
           <p:cNvPr id="2" name="Title 1">
@@ -258,7 +298,7 @@
           <a:p>
             <a:fld id="{245F0EAC-318F-40E5-838A-5DE65186082A}" type="datetimeFigureOut">
               <a:rPr lang="en-IN" smtClean="0"/>
-              <a:t>26-08-2023</a:t>
+              <a:t>26-04-2024</a:t>
             </a:fld>
             <a:endParaRPr lang="en-IN"/>
           </a:p>
@@ -458,7 +498,7 @@
           <a:p>
             <a:fld id="{245F0EAC-318F-40E5-838A-5DE65186082A}" type="datetimeFigureOut">
               <a:rPr lang="en-IN" smtClean="0"/>
-              <a:t>26-08-2023</a:t>
+              <a:t>26-04-2024</a:t>
             </a:fld>
             <a:endParaRPr lang="en-IN"/>
           </a:p>
@@ -668,7 +708,7 @@
           <a:p>
             <a:fld id="{245F0EAC-318F-40E5-838A-5DE65186082A}" type="datetimeFigureOut">
               <a:rPr lang="en-IN" smtClean="0"/>
-              <a:t>26-08-2023</a:t>
+              <a:t>26-04-2024</a:t>
             </a:fld>
             <a:endParaRPr lang="en-IN"/>
           </a:p>
@@ -758,6 +798,50 @@
           <a:chExt cx="0" cy="0"/>
         </a:xfrm>
       </p:grpSpPr>
+      <p:pic>
+        <p:nvPicPr>
+          <p:cNvPr id="7" name="Picture Placeholder 64">
+            <a:extLst>
+              <a:ext uri="{FF2B5EF4-FFF2-40B4-BE49-F238E27FC236}">
+                <a16:creationId xmlns:a16="http://schemas.microsoft.com/office/drawing/2014/main" id="{5FF4BEE2-CCEA-0602-CF34-68BFE1C4E9A9}"/>
+              </a:ext>
+              <a:ext uri="{C183D7F6-B498-43B3-948B-1728B52AA6E4}">
+                <adec:decorative xmlns:adec="http://schemas.microsoft.com/office/drawing/2017/decorative" val="1"/>
+              </a:ext>
+            </a:extLst>
+          </p:cNvPr>
+          <p:cNvPicPr>
+            <a:picLocks noChangeAspect="1"/>
+          </p:cNvPicPr>
+          <p:nvPr userDrawn="1"/>
+        </p:nvPicPr>
+        <p:blipFill rotWithShape="1">
+          <a:blip r:embed="rId2">
+            <a:alphaModFix amt="44000"/>
+            <a:extLst>
+              <a:ext uri="{28A0092B-C50C-407E-A947-70E740481C1C}">
+                <a14:useLocalDpi xmlns:a14="http://schemas.microsoft.com/office/drawing/2010/main"/>
+              </a:ext>
+            </a:extLst>
+          </a:blip>
+          <a:srcRect/>
+          <a:stretch/>
+        </p:blipFill>
+        <p:spPr>
+          <a:xfrm rot="10800000">
+            <a:off x="0" y="0"/>
+            <a:ext cx="12188825" cy="6858000"/>
+          </a:xfrm>
+          <a:prstGeom prst="rect">
+            <a:avLst/>
+          </a:prstGeom>
+          <a:solidFill>
+            <a:schemeClr val="accent1">
+              <a:alpha val="0"/>
+            </a:schemeClr>
+          </a:solidFill>
+        </p:spPr>
+      </p:pic>
       <p:sp>
         <p:nvSpPr>
           <p:cNvPr id="2" name="Title 1">
@@ -868,7 +952,7 @@
           <a:p>
             <a:fld id="{245F0EAC-318F-40E5-838A-5DE65186082A}" type="datetimeFigureOut">
               <a:rPr lang="en-IN" smtClean="0"/>
-              <a:t>26-08-2023</a:t>
+              <a:t>26-04-2024</a:t>
             </a:fld>
             <a:endParaRPr lang="en-IN"/>
           </a:p>
@@ -1144,7 +1228,7 @@
           <a:p>
             <a:fld id="{245F0EAC-318F-40E5-838A-5DE65186082A}" type="datetimeFigureOut">
               <a:rPr lang="en-IN" smtClean="0"/>
-              <a:t>26-08-2023</a:t>
+              <a:t>26-04-2024</a:t>
             </a:fld>
             <a:endParaRPr lang="en-IN"/>
           </a:p>
@@ -1412,7 +1496,7 @@
           <a:p>
             <a:fld id="{245F0EAC-318F-40E5-838A-5DE65186082A}" type="datetimeFigureOut">
               <a:rPr lang="en-IN" smtClean="0"/>
-              <a:t>26-08-2023</a:t>
+              <a:t>26-04-2024</a:t>
             </a:fld>
             <a:endParaRPr lang="en-IN"/>
           </a:p>
@@ -1827,7 +1911,7 @@
           <a:p>
             <a:fld id="{245F0EAC-318F-40E5-838A-5DE65186082A}" type="datetimeFigureOut">
               <a:rPr lang="en-IN" smtClean="0"/>
-              <a:t>26-08-2023</a:t>
+              <a:t>26-04-2024</a:t>
             </a:fld>
             <a:endParaRPr lang="en-IN"/>
           </a:p>
@@ -1969,7 +2053,7 @@
           <a:p>
             <a:fld id="{245F0EAC-318F-40E5-838A-5DE65186082A}" type="datetimeFigureOut">
               <a:rPr lang="en-IN" smtClean="0"/>
-              <a:t>26-08-2023</a:t>
+              <a:t>26-04-2024</a:t>
             </a:fld>
             <a:endParaRPr lang="en-IN"/>
           </a:p>
@@ -2082,7 +2166,7 @@
           <a:p>
             <a:fld id="{245F0EAC-318F-40E5-838A-5DE65186082A}" type="datetimeFigureOut">
               <a:rPr lang="en-IN" smtClean="0"/>
-              <a:t>26-08-2023</a:t>
+              <a:t>26-04-2024</a:t>
             </a:fld>
             <a:endParaRPr lang="en-IN"/>
           </a:p>
@@ -2395,7 +2479,7 @@
           <a:p>
             <a:fld id="{245F0EAC-318F-40E5-838A-5DE65186082A}" type="datetimeFigureOut">
               <a:rPr lang="en-IN" smtClean="0"/>
-              <a:t>26-08-2023</a:t>
+              <a:t>26-04-2024</a:t>
             </a:fld>
             <a:endParaRPr lang="en-IN"/>
           </a:p>
@@ -2684,7 +2768,7 @@
           <a:p>
             <a:fld id="{245F0EAC-318F-40E5-838A-5DE65186082A}" type="datetimeFigureOut">
               <a:rPr lang="en-IN" smtClean="0"/>
-              <a:t>26-08-2023</a:t>
+              <a:t>26-04-2024</a:t>
             </a:fld>
             <a:endParaRPr lang="en-IN"/>
           </a:p>
@@ -2927,7 +3011,7 @@
           <a:p>
             <a:fld id="{245F0EAC-318F-40E5-838A-5DE65186082A}" type="datetimeFigureOut">
               <a:rPr lang="en-IN" smtClean="0"/>
-              <a:t>26-08-2023</a:t>
+              <a:t>26-04-2024</a:t>
             </a:fld>
             <a:endParaRPr lang="en-IN"/>
           </a:p>
